--- a/10.Serialization/SerializationPresentation.pptx
+++ b/10.Serialization/SerializationPresentation.pptx
@@ -1582,65 +1582,6 @@
             <a:noAutofit/>
           </a:bodyPr>
           <a:lstStyle/>
-          <a:p>
-            <a:pPr marL="0" marR="0" lvl="0" indent="0" algn="l" rtl="0">
-              <a:spcBef>
-                <a:spcPts val="0"/>
-              </a:spcBef>
-              <a:spcAft>
-                <a:spcPts val="0"/>
-              </a:spcAft>
-              <a:buNone/>
-            </a:pPr>
-            <a:r>
-              <a:rPr lang="ru-RU" sz="1200" b="0" i="0" u="none" strike="noStrike" cap="none" dirty="0">
-                <a:solidFill>
-                  <a:schemeClr val="dk1"/>
-                </a:solidFill>
-                <a:latin typeface="Calibri"/>
-                <a:ea typeface="Calibri"/>
-                <a:cs typeface="Calibri"/>
-                <a:sym typeface="Calibri"/>
-              </a:rPr>
-              <a:t>Переходим в проект с </a:t>
-            </a:r>
-            <a:r>
-              <a:rPr lang="en-US" sz="1200" b="0" i="0" u="none" strike="noStrike" cap="none" dirty="0" err="1">
-                <a:solidFill>
-                  <a:schemeClr val="dk1"/>
-                </a:solidFill>
-                <a:latin typeface="Calibri"/>
-                <a:ea typeface="Calibri"/>
-                <a:cs typeface="Calibri"/>
-                <a:sym typeface="Calibri"/>
-              </a:rPr>
-              <a:t>LinqToSql</a:t>
-            </a:r>
-            <a:r>
-              <a:rPr lang="ru-RU" sz="1200" b="0" i="0" u="none" strike="noStrike" cap="none" dirty="0">
-                <a:solidFill>
-                  <a:schemeClr val="dk1"/>
-                </a:solidFill>
-                <a:latin typeface="Calibri"/>
-                <a:ea typeface="Calibri"/>
-                <a:cs typeface="Calibri"/>
-                <a:sym typeface="Calibri"/>
-              </a:rPr>
-              <a:t> и рассматриваем атрибуты примененые для модели </a:t>
-            </a:r>
-            <a:r>
-              <a:rPr lang="en-US" sz="1200" b="0" i="0" u="none" strike="noStrike" cap="none" dirty="0">
-                <a:solidFill>
-                  <a:schemeClr val="dk1"/>
-                </a:solidFill>
-                <a:latin typeface="Calibri"/>
-                <a:ea typeface="Calibri"/>
-                <a:cs typeface="Calibri"/>
-                <a:sym typeface="Calibri"/>
-              </a:rPr>
-              <a:t>Movies.</a:t>
-            </a:r>
-          </a:p>
           <a:p>
             <a:pPr marL="0" marR="0" lvl="0" indent="0" algn="l" rtl="0">
               <a:spcBef>

--- a/10.Serialization/SerializationPresentation.pptx
+++ b/10.Serialization/SerializationPresentation.pptx
@@ -1592,66 +1592,6 @@
               </a:spcAft>
               <a:buNone/>
             </a:pPr>
-            <a:r>
-              <a:rPr lang="ru-RU" sz="1200" b="0" i="0" u="none" strike="noStrike" cap="none" dirty="0">
-                <a:solidFill>
-                  <a:schemeClr val="dk1"/>
-                </a:solidFill>
-                <a:latin typeface="Calibri"/>
-                <a:ea typeface="Calibri"/>
-                <a:cs typeface="Calibri"/>
-                <a:sym typeface="Calibri"/>
-              </a:rPr>
-              <a:t>Переходим в проект </a:t>
-            </a:r>
-            <a:r>
-              <a:rPr lang="en-US" sz="1200" b="0" i="0" u="none" strike="noStrike" cap="none" dirty="0" err="1">
-                <a:solidFill>
-                  <a:schemeClr val="dk1"/>
-                </a:solidFill>
-                <a:latin typeface="Calibri"/>
-                <a:ea typeface="Calibri"/>
-                <a:cs typeface="Calibri"/>
-                <a:sym typeface="Calibri"/>
-              </a:rPr>
-              <a:t>EntityFramework</a:t>
-            </a:r>
-            <a:r>
-              <a:rPr lang="en-US" sz="1200" b="0" i="0" u="none" strike="noStrike" cap="none" dirty="0">
-                <a:solidFill>
-                  <a:schemeClr val="dk1"/>
-                </a:solidFill>
-                <a:latin typeface="Calibri"/>
-                <a:ea typeface="Calibri"/>
-                <a:cs typeface="Calibri"/>
-                <a:sym typeface="Calibri"/>
-              </a:rPr>
-              <a:t> </a:t>
-            </a:r>
-            <a:r>
-              <a:rPr lang="ru-RU" sz="1200" b="0" i="0" u="none" strike="noStrike" cap="none" dirty="0">
-                <a:solidFill>
-                  <a:schemeClr val="dk1"/>
-                </a:solidFill>
-                <a:latin typeface="Calibri"/>
-                <a:ea typeface="Calibri"/>
-                <a:cs typeface="Calibri"/>
-                <a:sym typeface="Calibri"/>
-              </a:rPr>
-              <a:t> и навешиваем атрибуты на модель </a:t>
-            </a:r>
-            <a:r>
-              <a:rPr lang="en-US" sz="1200" b="0" i="0" u="none" strike="noStrike" cap="none" dirty="0">
-                <a:solidFill>
-                  <a:schemeClr val="dk1"/>
-                </a:solidFill>
-                <a:latin typeface="Calibri"/>
-                <a:ea typeface="Calibri"/>
-                <a:cs typeface="Calibri"/>
-                <a:sym typeface="Calibri"/>
-              </a:rPr>
-              <a:t>Character.</a:t>
-            </a:r>
             <a:endParaRPr sz="1200" b="0" i="0" u="none" strike="noStrike" cap="none" dirty="0">
               <a:solidFill>
                 <a:schemeClr val="dk1"/>

--- a/10.Serialization/SerializationPresentation.pptx
+++ b/10.Serialization/SerializationPresentation.pptx
@@ -21185,7 +21185,7 @@
                 <a:cs typeface="Roboto"/>
                 <a:sym typeface="Roboto"/>
               </a:rPr>
-              <a:t>— это процесс преобразования объекта в поток байтов для сохранения или передачи в память, базу данных или файл. Эта операция предназначена для того, чтобы сохранить состояния объекта для последующего воссоздания при необходимости. Обратный процесс называется </a:t>
+              <a:t>— это процесс преобразования объекта в определенный формат для сохранения или передачи в память, базу данных или файл. Эта операция предназначена для того, чтобы сохранить состояния объекта для последующего воссоздания при необходимости. Обратный процесс называется </a:t>
             </a:r>
             <a:r>
               <a:rPr lang="ru-RU" sz="2000" b="1" dirty="0">
